--- a/Video Project Presentation/DataMining-Kelompok10_Case4.pptx
+++ b/Video Project Presentation/DataMining-Kelompok10_Case4.pptx
@@ -339,7 +339,7 @@
             <a:fld id="{1D8BD707-D9CF-40AE-B4C6-C98DA3205C09}" type="datetimeFigureOut">
               <a:rPr lang="en-US" smtClean="0"/>
               <a:pPr/>
-              <a:t>12/14/2024</a:t>
+              <a:t>12/18/2024</a:t>
             </a:fld>
             <a:endParaRPr lang="en-US"/>
           </a:p>
@@ -504,7 +504,7 @@
             <a:fld id="{1D8BD707-D9CF-40AE-B4C6-C98DA3205C09}" type="datetimeFigureOut">
               <a:rPr lang="en-US" smtClean="0"/>
               <a:pPr/>
-              <a:t>12/14/2024</a:t>
+              <a:t>12/18/2024</a:t>
             </a:fld>
             <a:endParaRPr lang="en-US"/>
           </a:p>
@@ -679,7 +679,7 @@
             <a:fld id="{1D8BD707-D9CF-40AE-B4C6-C98DA3205C09}" type="datetimeFigureOut">
               <a:rPr lang="en-US" smtClean="0"/>
               <a:pPr/>
-              <a:t>12/14/2024</a:t>
+              <a:t>12/18/2024</a:t>
             </a:fld>
             <a:endParaRPr lang="en-US"/>
           </a:p>
@@ -844,7 +844,7 @@
             <a:fld id="{1D8BD707-D9CF-40AE-B4C6-C98DA3205C09}" type="datetimeFigureOut">
               <a:rPr lang="en-US" smtClean="0"/>
               <a:pPr/>
-              <a:t>12/14/2024</a:t>
+              <a:t>12/18/2024</a:t>
             </a:fld>
             <a:endParaRPr lang="en-US"/>
           </a:p>
@@ -1086,7 +1086,7 @@
             <a:fld id="{1D8BD707-D9CF-40AE-B4C6-C98DA3205C09}" type="datetimeFigureOut">
               <a:rPr lang="en-US" smtClean="0"/>
               <a:pPr/>
-              <a:t>12/14/2024</a:t>
+              <a:t>12/18/2024</a:t>
             </a:fld>
             <a:endParaRPr lang="en-US"/>
           </a:p>
@@ -1368,7 +1368,7 @@
             <a:fld id="{1D8BD707-D9CF-40AE-B4C6-C98DA3205C09}" type="datetimeFigureOut">
               <a:rPr lang="en-US" smtClean="0"/>
               <a:pPr/>
-              <a:t>12/14/2024</a:t>
+              <a:t>12/18/2024</a:t>
             </a:fld>
             <a:endParaRPr lang="en-US"/>
           </a:p>
@@ -1784,7 +1784,7 @@
             <a:fld id="{1D8BD707-D9CF-40AE-B4C6-C98DA3205C09}" type="datetimeFigureOut">
               <a:rPr lang="en-US" smtClean="0"/>
               <a:pPr/>
-              <a:t>12/14/2024</a:t>
+              <a:t>12/18/2024</a:t>
             </a:fld>
             <a:endParaRPr lang="en-US"/>
           </a:p>
@@ -1898,7 +1898,7 @@
             <a:fld id="{1D8BD707-D9CF-40AE-B4C6-C98DA3205C09}" type="datetimeFigureOut">
               <a:rPr lang="en-US" smtClean="0"/>
               <a:pPr/>
-              <a:t>12/14/2024</a:t>
+              <a:t>12/18/2024</a:t>
             </a:fld>
             <a:endParaRPr lang="en-US"/>
           </a:p>
@@ -1990,7 +1990,7 @@
             <a:fld id="{1D8BD707-D9CF-40AE-B4C6-C98DA3205C09}" type="datetimeFigureOut">
               <a:rPr lang="en-US" smtClean="0"/>
               <a:pPr/>
-              <a:t>12/14/2024</a:t>
+              <a:t>12/18/2024</a:t>
             </a:fld>
             <a:endParaRPr lang="en-US"/>
           </a:p>
@@ -2262,7 +2262,7 @@
             <a:fld id="{1D8BD707-D9CF-40AE-B4C6-C98DA3205C09}" type="datetimeFigureOut">
               <a:rPr lang="en-US" smtClean="0"/>
               <a:pPr/>
-              <a:t>12/14/2024</a:t>
+              <a:t>12/18/2024</a:t>
             </a:fld>
             <a:endParaRPr lang="en-US"/>
           </a:p>
@@ -2511,7 +2511,7 @@
             <a:fld id="{1D8BD707-D9CF-40AE-B4C6-C98DA3205C09}" type="datetimeFigureOut">
               <a:rPr lang="en-US" smtClean="0"/>
               <a:pPr/>
-              <a:t>12/14/2024</a:t>
+              <a:t>12/18/2024</a:t>
             </a:fld>
             <a:endParaRPr lang="en-US"/>
           </a:p>
@@ -2719,7 +2719,7 @@
             <a:fld id="{1D8BD707-D9CF-40AE-B4C6-C98DA3205C09}" type="datetimeFigureOut">
               <a:rPr lang="en-US" smtClean="0"/>
               <a:pPr/>
-              <a:t>12/14/2024</a:t>
+              <a:t>12/18/2024</a:t>
             </a:fld>
             <a:endParaRPr lang="en-US"/>
           </a:p>
@@ -6561,7 +6561,7 @@
         <p:spPr>
           <a:xfrm>
             <a:off x="6661595" y="3831269"/>
-            <a:ext cx="4964810" cy="1597774"/>
+            <a:ext cx="4964810" cy="1641475"/>
           </a:xfrm>
           <a:prstGeom prst="rect">
             <a:avLst/>
@@ -6579,7 +6579,7 @@
               </a:lnSpc>
             </a:pPr>
             <a:r>
-              <a:rPr lang="en-US" sz="4595">
+              <a:rPr lang="en-US" sz="4595" dirty="0">
                 <a:solidFill>
                   <a:srgbClr val="000000"/>
                 </a:solidFill>
@@ -6598,7 +6598,7 @@
               </a:lnSpc>
             </a:pPr>
             <a:r>
-              <a:rPr lang="en-US" sz="4595" u="sng">
+              <a:rPr lang="en-US" sz="4595" u="sng" dirty="0">
                 <a:solidFill>
                   <a:srgbClr val="000000"/>
                 </a:solidFill>
@@ -6610,6 +6610,16 @@
               </a:rPr>
               <a:t>Ulos Classification</a:t>
             </a:r>
+            <a:endParaRPr lang="en-US" sz="4595" u="sng" dirty="0">
+              <a:solidFill>
+                <a:srgbClr val="000000"/>
+              </a:solidFill>
+              <a:latin typeface="Mukta Mahee"/>
+              <a:ea typeface="Mukta Mahee"/>
+              <a:cs typeface="Mukta Mahee"/>
+              <a:sym typeface="Mukta Mahee"/>
+              <a:hlinkClick r:id="rId9" tooltip="https://ulosclassification.streamlit.app"/>
+            </a:endParaRPr>
           </a:p>
         </p:txBody>
       </p:sp>
@@ -15189,98 +15199,6 @@
       </p:sp>
       <p:sp>
         <p:nvSpPr>
-          <p:cNvPr id="10" name="Freeform 10"/>
-          <p:cNvSpPr/>
-          <p:nvPr/>
-        </p:nvSpPr>
-        <p:spPr>
-          <a:xfrm>
-            <a:off x="974918" y="3156290"/>
-            <a:ext cx="7745303" cy="5838767"/>
-          </a:xfrm>
-          <a:custGeom>
-            <a:avLst/>
-            <a:gdLst/>
-            <a:ahLst/>
-            <a:cxnLst/>
-            <a:rect l="l" t="t" r="r" b="b"/>
-            <a:pathLst>
-              <a:path w="7745303" h="5838767">
-                <a:moveTo>
-                  <a:pt x="0" y="0"/>
-                </a:moveTo>
-                <a:lnTo>
-                  <a:pt x="7745303" y="0"/>
-                </a:lnTo>
-                <a:lnTo>
-                  <a:pt x="7745303" y="5838767"/>
-                </a:lnTo>
-                <a:lnTo>
-                  <a:pt x="0" y="5838767"/>
-                </a:lnTo>
-                <a:lnTo>
-                  <a:pt x="0" y="0"/>
-                </a:lnTo>
-                <a:close/>
-              </a:path>
-            </a:pathLst>
-          </a:custGeom>
-          <a:blipFill>
-            <a:blip r:embed="rId6"/>
-            <a:stretch>
-              <a:fillRect/>
-            </a:stretch>
-          </a:blipFill>
-        </p:spPr>
-      </p:sp>
-      <p:sp>
-        <p:nvSpPr>
-          <p:cNvPr id="11" name="Freeform 11"/>
-          <p:cNvSpPr/>
-          <p:nvPr/>
-        </p:nvSpPr>
-        <p:spPr>
-          <a:xfrm>
-            <a:off x="9144000" y="3255590"/>
-            <a:ext cx="8304615" cy="5640166"/>
-          </a:xfrm>
-          <a:custGeom>
-            <a:avLst/>
-            <a:gdLst/>
-            <a:ahLst/>
-            <a:cxnLst/>
-            <a:rect l="l" t="t" r="r" b="b"/>
-            <a:pathLst>
-              <a:path w="8304615" h="5640166">
-                <a:moveTo>
-                  <a:pt x="0" y="0"/>
-                </a:moveTo>
-                <a:lnTo>
-                  <a:pt x="8304615" y="0"/>
-                </a:lnTo>
-                <a:lnTo>
-                  <a:pt x="8304615" y="5640166"/>
-                </a:lnTo>
-                <a:lnTo>
-                  <a:pt x="0" y="5640166"/>
-                </a:lnTo>
-                <a:lnTo>
-                  <a:pt x="0" y="0"/>
-                </a:lnTo>
-                <a:close/>
-              </a:path>
-            </a:pathLst>
-          </a:custGeom>
-          <a:blipFill>
-            <a:blip r:embed="rId7"/>
-            <a:stretch>
-              <a:fillRect/>
-            </a:stretch>
-          </a:blipFill>
-        </p:spPr>
-      </p:sp>
-      <p:sp>
-        <p:nvSpPr>
           <p:cNvPr id="12" name="TextBox 12"/>
           <p:cNvSpPr txBox="1"/>
           <p:nvPr/>
@@ -15361,6 +15279,100 @@
           </a:p>
         </p:txBody>
       </p:sp>
+      <p:pic>
+        <p:nvPicPr>
+          <p:cNvPr id="1026" name="Picture 2">
+            <a:extLst>
+              <a:ext uri="{FF2B5EF4-FFF2-40B4-BE49-F238E27FC236}">
+                <a16:creationId xmlns:a16="http://schemas.microsoft.com/office/drawing/2014/main" id="{1E1E8C4A-2846-6B2A-9534-E3F9270CD3A5}"/>
+              </a:ext>
+            </a:extLst>
+          </p:cNvPr>
+          <p:cNvPicPr>
+            <a:picLocks noChangeAspect="1" noChangeArrowheads="1"/>
+          </p:cNvPicPr>
+          <p:nvPr/>
+        </p:nvPicPr>
+        <p:blipFill>
+          <a:blip r:embed="rId6">
+            <a:extLst>
+              <a:ext uri="{28A0092B-C50C-407E-A947-70E740481C1C}">
+                <a14:useLocalDpi xmlns:a14="http://schemas.microsoft.com/office/drawing/2010/main" val="0"/>
+              </a:ext>
+            </a:extLst>
+          </a:blip>
+          <a:srcRect/>
+          <a:stretch>
+            <a:fillRect/>
+          </a:stretch>
+        </p:blipFill>
+        <p:spPr bwMode="auto">
+          <a:xfrm>
+            <a:off x="1309758" y="3377861"/>
+            <a:ext cx="6781800" cy="5210175"/>
+          </a:xfrm>
+          <a:prstGeom prst="rect">
+            <a:avLst/>
+          </a:prstGeom>
+          <a:noFill/>
+          <a:extLst>
+            <a:ext uri="{909E8E84-426E-40DD-AFC4-6F175D3DCCD1}">
+              <a14:hiddenFill xmlns:a14="http://schemas.microsoft.com/office/drawing/2010/main">
+                <a:solidFill>
+                  <a:srgbClr val="FFFFFF"/>
+                </a:solidFill>
+              </a14:hiddenFill>
+            </a:ext>
+          </a:extLst>
+        </p:spPr>
+      </p:pic>
+      <p:pic>
+        <p:nvPicPr>
+          <p:cNvPr id="1028" name="Picture 4">
+            <a:extLst>
+              <a:ext uri="{FF2B5EF4-FFF2-40B4-BE49-F238E27FC236}">
+                <a16:creationId xmlns:a16="http://schemas.microsoft.com/office/drawing/2014/main" id="{5066DA55-28EC-4A9F-091C-E7710D32003A}"/>
+              </a:ext>
+            </a:extLst>
+          </p:cNvPr>
+          <p:cNvPicPr>
+            <a:picLocks noChangeAspect="1" noChangeArrowheads="1"/>
+          </p:cNvPicPr>
+          <p:nvPr/>
+        </p:nvPicPr>
+        <p:blipFill>
+          <a:blip r:embed="rId7">
+            <a:extLst>
+              <a:ext uri="{28A0092B-C50C-407E-A947-70E740481C1C}">
+                <a14:useLocalDpi xmlns:a14="http://schemas.microsoft.com/office/drawing/2010/main" val="0"/>
+              </a:ext>
+            </a:extLst>
+          </a:blip>
+          <a:srcRect/>
+          <a:stretch>
+            <a:fillRect/>
+          </a:stretch>
+        </p:blipFill>
+        <p:spPr bwMode="auto">
+          <a:xfrm>
+            <a:off x="8957130" y="3248712"/>
+            <a:ext cx="8791575" cy="5619750"/>
+          </a:xfrm>
+          <a:prstGeom prst="rect">
+            <a:avLst/>
+          </a:prstGeom>
+          <a:noFill/>
+          <a:extLst>
+            <a:ext uri="{909E8E84-426E-40DD-AFC4-6F175D3DCCD1}">
+              <a14:hiddenFill xmlns:a14="http://schemas.microsoft.com/office/drawing/2010/main">
+                <a:solidFill>
+                  <a:srgbClr val="FFFFFF"/>
+                </a:solidFill>
+              </a14:hiddenFill>
+            </a:ext>
+          </a:extLst>
+        </p:spPr>
+      </p:pic>
     </p:spTree>
   </p:cSld>
   <p:clrMapOvr>
@@ -15713,8 +15725,8 @@
         </p:nvGrpSpPr>
         <p:grpSpPr>
           <a:xfrm>
-            <a:off x="7600950" y="2310585"/>
-            <a:ext cx="10687050" cy="5665830"/>
+            <a:off x="7190410" y="2314106"/>
+            <a:ext cx="10687050" cy="6885408"/>
             <a:chOff x="0" y="0"/>
             <a:chExt cx="2814696" cy="1492235"/>
           </a:xfrm>
@@ -15758,6 +15770,13 @@
               <a:srgbClr val="FAFAFA"/>
             </a:solidFill>
           </p:spPr>
+          <p:txBody>
+            <a:bodyPr/>
+            <a:lstStyle/>
+            <a:p>
+              <a:endParaRPr lang="en-ID" dirty="0"/>
+            </a:p>
+          </p:txBody>
         </p:sp>
         <p:sp>
           <p:nvSpPr>
@@ -15901,7 +15920,7 @@
         <p:spPr>
           <a:xfrm>
             <a:off x="8017452" y="3170792"/>
-            <a:ext cx="9032966" cy="3243707"/>
+            <a:ext cx="9032966" cy="5745163"/>
           </a:xfrm>
           <a:prstGeom prst="rect">
             <a:avLst/>
@@ -15920,7 +15939,7 @@
               <a:buAutoNum type="arabicPeriod"/>
             </a:pPr>
             <a:r>
-              <a:rPr lang="en-US" sz="4595">
+              <a:rPr lang="en-US" sz="4595" dirty="0" err="1">
                 <a:solidFill>
                   <a:srgbClr val="000000"/>
                 </a:solidFill>
@@ -15929,18 +15948,10 @@
                 <a:cs typeface="Mukta Mahee"/>
                 <a:sym typeface="Mukta Mahee"/>
               </a:rPr>
-              <a:t>Akurasi : 93.27%</a:t>
-            </a:r>
-          </a:p>
-          <a:p>
-            <a:pPr marL="992171" lvl="1" indent="-496086" algn="l">
-              <a:lnSpc>
-                <a:spcPts val="6433"/>
-              </a:lnSpc>
-              <a:buAutoNum type="arabicPeriod"/>
-            </a:pPr>
-            <a:r>
-              <a:rPr lang="en-US" sz="4595">
+              <a:t>Akurasi</a:t>
+            </a:r>
+            <a:r>
+              <a:rPr lang="en-US" sz="4595" dirty="0">
                 <a:solidFill>
                   <a:srgbClr val="000000"/>
                 </a:solidFill>
@@ -15949,7 +15960,7 @@
                 <a:cs typeface="Mukta Mahee"/>
                 <a:sym typeface="Mukta Mahee"/>
               </a:rPr>
-              <a:t>Presisi: 93.92%</a:t>
+              <a:t> : 99.28%</a:t>
             </a:r>
           </a:p>
           <a:p>
@@ -15960,7 +15971,7 @@
               <a:buAutoNum type="arabicPeriod"/>
             </a:pPr>
             <a:r>
-              <a:rPr lang="en-US" sz="4595">
+              <a:rPr lang="en-US" sz="4595" dirty="0" err="1">
                 <a:solidFill>
                   <a:srgbClr val="000000"/>
                 </a:solidFill>
@@ -15969,18 +15980,10 @@
                 <a:cs typeface="Mukta Mahee"/>
                 <a:sym typeface="Mukta Mahee"/>
               </a:rPr>
-              <a:t>Recall: 93.31%</a:t>
-            </a:r>
-          </a:p>
-          <a:p>
-            <a:pPr marL="992171" lvl="1" indent="-496086" algn="l">
-              <a:lnSpc>
-                <a:spcPts val="6433"/>
-              </a:lnSpc>
-              <a:buAutoNum type="arabicPeriod"/>
-            </a:pPr>
-            <a:r>
-              <a:rPr lang="en-US" sz="4595">
+              <a:t>Presisi</a:t>
+            </a:r>
+            <a:r>
+              <a:rPr lang="en-US" sz="4595" dirty="0">
                 <a:solidFill>
                   <a:srgbClr val="000000"/>
                 </a:solidFill>
@@ -15989,7 +15992,101 @@
                 <a:cs typeface="Mukta Mahee"/>
                 <a:sym typeface="Mukta Mahee"/>
               </a:rPr>
-              <a:t>F1-Score: 93.30%</a:t>
+              <a:t>: 99.30%</a:t>
+            </a:r>
+          </a:p>
+          <a:p>
+            <a:pPr marL="992171" lvl="1" indent="-496086" algn="l">
+              <a:lnSpc>
+                <a:spcPts val="6433"/>
+              </a:lnSpc>
+              <a:buAutoNum type="arabicPeriod"/>
+            </a:pPr>
+            <a:r>
+              <a:rPr lang="en-US" sz="4595" dirty="0">
+                <a:solidFill>
+                  <a:srgbClr val="000000"/>
+                </a:solidFill>
+                <a:latin typeface="Mukta Mahee"/>
+                <a:ea typeface="Mukta Mahee"/>
+                <a:cs typeface="Mukta Mahee"/>
+                <a:sym typeface="Mukta Mahee"/>
+              </a:rPr>
+              <a:t>Recall: 99.27%</a:t>
+            </a:r>
+          </a:p>
+          <a:p>
+            <a:pPr marL="992171" lvl="1" indent="-496086" algn="l">
+              <a:lnSpc>
+                <a:spcPts val="6433"/>
+              </a:lnSpc>
+              <a:buAutoNum type="arabicPeriod"/>
+            </a:pPr>
+            <a:r>
+              <a:rPr lang="en-US" sz="4595" dirty="0">
+                <a:solidFill>
+                  <a:srgbClr val="000000"/>
+                </a:solidFill>
+                <a:latin typeface="Mukta Mahee"/>
+                <a:ea typeface="Mukta Mahee"/>
+                <a:cs typeface="Mukta Mahee"/>
+                <a:sym typeface="Mukta Mahee"/>
+              </a:rPr>
+              <a:t>F1-Score: 99.28%</a:t>
+            </a:r>
+          </a:p>
+          <a:p>
+            <a:pPr marL="496085" lvl="1" algn="l">
+              <a:lnSpc>
+                <a:spcPts val="6433"/>
+              </a:lnSpc>
+            </a:pPr>
+            <a:endParaRPr lang="en-US" sz="4595" dirty="0">
+              <a:solidFill>
+                <a:srgbClr val="000000"/>
+              </a:solidFill>
+              <a:latin typeface="Mukta Mahee"/>
+              <a:ea typeface="Mukta Mahee"/>
+              <a:cs typeface="Mukta Mahee"/>
+              <a:sym typeface="Mukta Mahee"/>
+            </a:endParaRPr>
+          </a:p>
+          <a:p>
+            <a:pPr marL="496085" lvl="1" algn="l">
+              <a:lnSpc>
+                <a:spcPts val="6433"/>
+              </a:lnSpc>
+            </a:pPr>
+            <a:r>
+              <a:rPr lang="en-US" sz="4595" dirty="0">
+                <a:solidFill>
+                  <a:srgbClr val="000000"/>
+                </a:solidFill>
+                <a:latin typeface="Mukta Mahee"/>
+                <a:ea typeface="Mukta Mahee"/>
+                <a:cs typeface="Mukta Mahee"/>
+                <a:sym typeface="Mukta Mahee"/>
+              </a:rPr>
+              <a:t>Test Accuracy : 0.992788</a:t>
+            </a:r>
+          </a:p>
+          <a:p>
+            <a:pPr marL="496085" lvl="1" algn="l">
+              <a:lnSpc>
+                <a:spcPts val="6433"/>
+              </a:lnSpc>
+            </a:pPr>
+            <a:r>
+              <a:rPr lang="en-US" sz="4595" dirty="0">
+                <a:solidFill>
+                  <a:srgbClr val="000000"/>
+                </a:solidFill>
+                <a:latin typeface="Mukta Mahee"/>
+                <a:ea typeface="Mukta Mahee"/>
+                <a:cs typeface="Mukta Mahee"/>
+                <a:sym typeface="Mukta Mahee"/>
+              </a:rPr>
+              <a:t>Test Lost :0.225566</a:t>
             </a:r>
           </a:p>
         </p:txBody>
